--- a/Documentation/Reports and Papers/Knee_Torque_Test/Figures/Figure components/FlxPin_group.pptx
+++ b/Documentation/Reports and Papers/Knee_Torque_Test/Figures/Figure components/FlxPin_group.pptx
@@ -2,12 +2,12 @@
 <file path=ppt/presentation.xml><?xml version="1.0" encoding="utf-8"?>
 <p:presentation xmlns:a="http://schemas.openxmlformats.org/drawingml/2006/main" xmlns:r="http://schemas.openxmlformats.org/officeDocument/2006/relationships" xmlns:p="http://schemas.openxmlformats.org/presentationml/2006/main" saveSubsetFonts="1" autoCompressPictures="0">
   <p:sldMasterIdLst>
-    <p:sldMasterId id="2147483684" r:id="rId1"/>
+    <p:sldMasterId id="2147483708" r:id="rId1"/>
   </p:sldMasterIdLst>
   <p:sldIdLst>
     <p:sldId id="256" r:id="rId2"/>
   </p:sldIdLst>
-  <p:sldSz cx="12192000" cy="4114800"/>
+  <p:sldSz cx="18288000" cy="12801600"/>
   <p:notesSz cx="6858000" cy="9144000"/>
   <p:defaultTextStyle>
     <a:defPPr>
@@ -104,6 +104,11 @@
       </a:defRPr>
     </a:lvl9pPr>
   </p:defaultTextStyle>
+  <p:extLst>
+    <p:ext uri="{EFAFB233-063F-42B5-8137-9DF3F51BA10A}">
+      <p15:sldGuideLst xmlns:p15="http://schemas.microsoft.com/office/powerpoint/2012/main"/>
+    </p:ext>
+  </p:extLst>
 </p:presentation>
 </file>
 
@@ -136,15 +141,15 @@
         </p:nvSpPr>
         <p:spPr>
           <a:xfrm>
-            <a:off x="1524000" y="673418"/>
-            <a:ext cx="9144000" cy="1432560"/>
+            <a:off x="1371600" y="2095078"/>
+            <a:ext cx="15544800" cy="4456853"/>
           </a:xfrm>
         </p:spPr>
         <p:txBody>
           <a:bodyPr anchor="b"/>
           <a:lstStyle>
             <a:lvl1pPr algn="ctr">
-              <a:defRPr sz="3600"/>
+              <a:defRPr sz="11200"/>
             </a:lvl1pPr>
           </a:lstStyle>
           <a:p>
@@ -168,8 +173,8 @@
         </p:nvSpPr>
         <p:spPr>
           <a:xfrm>
-            <a:off x="1524000" y="2161223"/>
-            <a:ext cx="9144000" cy="993457"/>
+            <a:off x="2286000" y="6723804"/>
+            <a:ext cx="13716000" cy="3090756"/>
           </a:xfrm>
         </p:spPr>
         <p:txBody>
@@ -177,39 +182,39 @@
           <a:lstStyle>
             <a:lvl1pPr marL="0" indent="0" algn="ctr">
               <a:buNone/>
-              <a:defRPr sz="1440"/>
+              <a:defRPr sz="4480"/>
             </a:lvl1pPr>
-            <a:lvl2pPr marL="274320" indent="0" algn="ctr">
-              <a:buNone/>
-              <a:defRPr sz="1200"/>
+            <a:lvl2pPr marL="853455" indent="0" algn="ctr">
+              <a:buNone/>
+              <a:defRPr sz="3733"/>
             </a:lvl2pPr>
-            <a:lvl3pPr marL="548640" indent="0" algn="ctr">
-              <a:buNone/>
-              <a:defRPr sz="1080"/>
+            <a:lvl3pPr marL="1706910" indent="0" algn="ctr">
+              <a:buNone/>
+              <a:defRPr sz="3360"/>
             </a:lvl3pPr>
-            <a:lvl4pPr marL="822960" indent="0" algn="ctr">
-              <a:buNone/>
-              <a:defRPr sz="960"/>
+            <a:lvl4pPr marL="2560366" indent="0" algn="ctr">
+              <a:buNone/>
+              <a:defRPr sz="2987"/>
             </a:lvl4pPr>
-            <a:lvl5pPr marL="1097280" indent="0" algn="ctr">
-              <a:buNone/>
-              <a:defRPr sz="960"/>
+            <a:lvl5pPr marL="3413821" indent="0" algn="ctr">
+              <a:buNone/>
+              <a:defRPr sz="2987"/>
             </a:lvl5pPr>
-            <a:lvl6pPr marL="1371600" indent="0" algn="ctr">
-              <a:buNone/>
-              <a:defRPr sz="960"/>
+            <a:lvl6pPr marL="4267276" indent="0" algn="ctr">
+              <a:buNone/>
+              <a:defRPr sz="2987"/>
             </a:lvl6pPr>
-            <a:lvl7pPr marL="1645920" indent="0" algn="ctr">
-              <a:buNone/>
-              <a:defRPr sz="960"/>
+            <a:lvl7pPr marL="5120731" indent="0" algn="ctr">
+              <a:buNone/>
+              <a:defRPr sz="2987"/>
             </a:lvl7pPr>
-            <a:lvl8pPr marL="1920240" indent="0" algn="ctr">
-              <a:buNone/>
-              <a:defRPr sz="960"/>
+            <a:lvl8pPr marL="5974187" indent="0" algn="ctr">
+              <a:buNone/>
+              <a:defRPr sz="2987"/>
             </a:lvl8pPr>
-            <a:lvl9pPr marL="2194560" indent="0" algn="ctr">
-              <a:buNone/>
-              <a:defRPr sz="960"/>
+            <a:lvl9pPr marL="6827642" indent="0" algn="ctr">
+              <a:buNone/>
+              <a:defRPr sz="2987"/>
             </a:lvl9pPr>
           </a:lstStyle>
           <a:p>
@@ -236,9 +241,9 @@
           <a:bodyPr/>
           <a:lstStyle/>
           <a:p>
-            <a:fld id="{ABD4A841-80D1-462D-B657-2E7F2F5A15C7}" type="datetimeFigureOut">
+            <a:fld id="{C9077A9B-68BF-48A8-B8CF-488600E3845C}" type="datetimeFigureOut">
               <a:rPr lang="en-US" smtClean="0"/>
-              <a:t>3/24/2022</a:t>
+              <a:t>12/9/2022</a:t>
             </a:fld>
             <a:endParaRPr lang="en-US"/>
           </a:p>
@@ -278,7 +283,7 @@
           <a:bodyPr/>
           <a:lstStyle/>
           <a:p>
-            <a:fld id="{E58AEFB8-BD10-4C07-9342-E6174408B9F7}" type="slidenum">
+            <a:fld id="{84A1A558-EA39-41B7-BCDD-74557D258CB5}" type="slidenum">
               <a:rPr lang="en-US" smtClean="0"/>
               <a:t>‹#›</a:t>
             </a:fld>
@@ -289,7 +294,7 @@
     </p:spTree>
     <p:extLst>
       <p:ext uri="{BB962C8B-B14F-4D97-AF65-F5344CB8AC3E}">
-        <p14:creationId xmlns:p14="http://schemas.microsoft.com/office/powerpoint/2010/main" val="3448707810"/>
+        <p14:creationId xmlns:p14="http://schemas.microsoft.com/office/powerpoint/2010/main" val="2677066945"/>
       </p:ext>
     </p:extLst>
   </p:cSld>
@@ -406,9 +411,9 @@
           <a:bodyPr/>
           <a:lstStyle/>
           <a:p>
-            <a:fld id="{ABD4A841-80D1-462D-B657-2E7F2F5A15C7}" type="datetimeFigureOut">
+            <a:fld id="{C9077A9B-68BF-48A8-B8CF-488600E3845C}" type="datetimeFigureOut">
               <a:rPr lang="en-US" smtClean="0"/>
-              <a:t>3/24/2022</a:t>
+              <a:t>12/9/2022</a:t>
             </a:fld>
             <a:endParaRPr lang="en-US"/>
           </a:p>
@@ -448,7 +453,7 @@
           <a:bodyPr/>
           <a:lstStyle/>
           <a:p>
-            <a:fld id="{E58AEFB8-BD10-4C07-9342-E6174408B9F7}" type="slidenum">
+            <a:fld id="{84A1A558-EA39-41B7-BCDD-74557D258CB5}" type="slidenum">
               <a:rPr lang="en-US" smtClean="0"/>
               <a:t>‹#›</a:t>
             </a:fld>
@@ -459,7 +464,7 @@
     </p:spTree>
     <p:extLst>
       <p:ext uri="{BB962C8B-B14F-4D97-AF65-F5344CB8AC3E}">
-        <p14:creationId xmlns:p14="http://schemas.microsoft.com/office/powerpoint/2010/main" val="3982683505"/>
+        <p14:creationId xmlns:p14="http://schemas.microsoft.com/office/powerpoint/2010/main" val="2622058746"/>
       </p:ext>
     </p:extLst>
   </p:cSld>
@@ -498,8 +503,8 @@
         </p:nvSpPr>
         <p:spPr>
           <a:xfrm>
-            <a:off x="8724900" y="219075"/>
-            <a:ext cx="2628900" cy="3487103"/>
+            <a:off x="13087351" y="681567"/>
+            <a:ext cx="3943350" cy="10848764"/>
           </a:xfrm>
         </p:spPr>
         <p:txBody>
@@ -526,8 +531,8 @@
         </p:nvSpPr>
         <p:spPr>
           <a:xfrm>
-            <a:off x="838200" y="219075"/>
-            <a:ext cx="7734300" cy="3487103"/>
+            <a:off x="1257301" y="681567"/>
+            <a:ext cx="11601450" cy="10848764"/>
           </a:xfrm>
         </p:spPr>
         <p:txBody>
@@ -586,9 +591,9 @@
           <a:bodyPr/>
           <a:lstStyle/>
           <a:p>
-            <a:fld id="{ABD4A841-80D1-462D-B657-2E7F2F5A15C7}" type="datetimeFigureOut">
+            <a:fld id="{C9077A9B-68BF-48A8-B8CF-488600E3845C}" type="datetimeFigureOut">
               <a:rPr lang="en-US" smtClean="0"/>
-              <a:t>3/24/2022</a:t>
+              <a:t>12/9/2022</a:t>
             </a:fld>
             <a:endParaRPr lang="en-US"/>
           </a:p>
@@ -628,7 +633,7 @@
           <a:bodyPr/>
           <a:lstStyle/>
           <a:p>
-            <a:fld id="{E58AEFB8-BD10-4C07-9342-E6174408B9F7}" type="slidenum">
+            <a:fld id="{84A1A558-EA39-41B7-BCDD-74557D258CB5}" type="slidenum">
               <a:rPr lang="en-US" smtClean="0"/>
               <a:t>‹#›</a:t>
             </a:fld>
@@ -639,7 +644,7 @@
     </p:spTree>
     <p:extLst>
       <p:ext uri="{BB962C8B-B14F-4D97-AF65-F5344CB8AC3E}">
-        <p14:creationId xmlns:p14="http://schemas.microsoft.com/office/powerpoint/2010/main" val="3485629234"/>
+        <p14:creationId xmlns:p14="http://schemas.microsoft.com/office/powerpoint/2010/main" val="678648917"/>
       </p:ext>
     </p:extLst>
   </p:cSld>
@@ -756,9 +761,9 @@
           <a:bodyPr/>
           <a:lstStyle/>
           <a:p>
-            <a:fld id="{ABD4A841-80D1-462D-B657-2E7F2F5A15C7}" type="datetimeFigureOut">
+            <a:fld id="{C9077A9B-68BF-48A8-B8CF-488600E3845C}" type="datetimeFigureOut">
               <a:rPr lang="en-US" smtClean="0"/>
-              <a:t>3/24/2022</a:t>
+              <a:t>12/9/2022</a:t>
             </a:fld>
             <a:endParaRPr lang="en-US"/>
           </a:p>
@@ -798,7 +803,7 @@
           <a:bodyPr/>
           <a:lstStyle/>
           <a:p>
-            <a:fld id="{E58AEFB8-BD10-4C07-9342-E6174408B9F7}" type="slidenum">
+            <a:fld id="{84A1A558-EA39-41B7-BCDD-74557D258CB5}" type="slidenum">
               <a:rPr lang="en-US" smtClean="0"/>
               <a:t>‹#›</a:t>
             </a:fld>
@@ -809,7 +814,7 @@
     </p:spTree>
     <p:extLst>
       <p:ext uri="{BB962C8B-B14F-4D97-AF65-F5344CB8AC3E}">
-        <p14:creationId xmlns:p14="http://schemas.microsoft.com/office/powerpoint/2010/main" val="3486703748"/>
+        <p14:creationId xmlns:p14="http://schemas.microsoft.com/office/powerpoint/2010/main" val="298831117"/>
       </p:ext>
     </p:extLst>
   </p:cSld>
@@ -848,15 +853,15 @@
         </p:nvSpPr>
         <p:spPr>
           <a:xfrm>
-            <a:off x="831850" y="1025843"/>
-            <a:ext cx="10515600" cy="1711642"/>
+            <a:off x="1247776" y="3191514"/>
+            <a:ext cx="15773400" cy="5325109"/>
           </a:xfrm>
         </p:spPr>
         <p:txBody>
           <a:bodyPr anchor="b"/>
           <a:lstStyle>
             <a:lvl1pPr>
-              <a:defRPr sz="3600"/>
+              <a:defRPr sz="11200"/>
             </a:lvl1pPr>
           </a:lstStyle>
           <a:p>
@@ -880,8 +885,8 @@
         </p:nvSpPr>
         <p:spPr>
           <a:xfrm>
-            <a:off x="831850" y="2753678"/>
-            <a:ext cx="10515600" cy="900112"/>
+            <a:off x="1247776" y="8567000"/>
+            <a:ext cx="15773400" cy="2800349"/>
           </a:xfrm>
         </p:spPr>
         <p:txBody>
@@ -889,17 +894,15 @@
           <a:lstStyle>
             <a:lvl1pPr marL="0" indent="0">
               <a:buNone/>
-              <a:defRPr sz="1440">
+              <a:defRPr sz="4480">
                 <a:solidFill>
-                  <a:schemeClr val="tx1">
-                    <a:tint val="75000"/>
-                  </a:schemeClr>
+                  <a:schemeClr val="tx1"/>
                 </a:solidFill>
               </a:defRPr>
             </a:lvl1pPr>
-            <a:lvl2pPr marL="274320" indent="0">
-              <a:buNone/>
-              <a:defRPr sz="1200">
+            <a:lvl2pPr marL="853455" indent="0">
+              <a:buNone/>
+              <a:defRPr sz="3733">
                 <a:solidFill>
                   <a:schemeClr val="tx1">
                     <a:tint val="75000"/>
@@ -907,9 +910,9 @@
                 </a:solidFill>
               </a:defRPr>
             </a:lvl2pPr>
-            <a:lvl3pPr marL="548640" indent="0">
-              <a:buNone/>
-              <a:defRPr sz="1080">
+            <a:lvl3pPr marL="1706910" indent="0">
+              <a:buNone/>
+              <a:defRPr sz="3360">
                 <a:solidFill>
                   <a:schemeClr val="tx1">
                     <a:tint val="75000"/>
@@ -917,9 +920,9 @@
                 </a:solidFill>
               </a:defRPr>
             </a:lvl3pPr>
-            <a:lvl4pPr marL="822960" indent="0">
-              <a:buNone/>
-              <a:defRPr sz="960">
+            <a:lvl4pPr marL="2560366" indent="0">
+              <a:buNone/>
+              <a:defRPr sz="2987">
                 <a:solidFill>
                   <a:schemeClr val="tx1">
                     <a:tint val="75000"/>
@@ -927,9 +930,9 @@
                 </a:solidFill>
               </a:defRPr>
             </a:lvl4pPr>
-            <a:lvl5pPr marL="1097280" indent="0">
-              <a:buNone/>
-              <a:defRPr sz="960">
+            <a:lvl5pPr marL="3413821" indent="0">
+              <a:buNone/>
+              <a:defRPr sz="2987">
                 <a:solidFill>
                   <a:schemeClr val="tx1">
                     <a:tint val="75000"/>
@@ -937,9 +940,9 @@
                 </a:solidFill>
               </a:defRPr>
             </a:lvl5pPr>
-            <a:lvl6pPr marL="1371600" indent="0">
-              <a:buNone/>
-              <a:defRPr sz="960">
+            <a:lvl6pPr marL="4267276" indent="0">
+              <a:buNone/>
+              <a:defRPr sz="2987">
                 <a:solidFill>
                   <a:schemeClr val="tx1">
                     <a:tint val="75000"/>
@@ -947,9 +950,9 @@
                 </a:solidFill>
               </a:defRPr>
             </a:lvl6pPr>
-            <a:lvl7pPr marL="1645920" indent="0">
-              <a:buNone/>
-              <a:defRPr sz="960">
+            <a:lvl7pPr marL="5120731" indent="0">
+              <a:buNone/>
+              <a:defRPr sz="2987">
                 <a:solidFill>
                   <a:schemeClr val="tx1">
                     <a:tint val="75000"/>
@@ -957,9 +960,9 @@
                 </a:solidFill>
               </a:defRPr>
             </a:lvl7pPr>
-            <a:lvl8pPr marL="1920240" indent="0">
-              <a:buNone/>
-              <a:defRPr sz="960">
+            <a:lvl8pPr marL="5974187" indent="0">
+              <a:buNone/>
+              <a:defRPr sz="2987">
                 <a:solidFill>
                   <a:schemeClr val="tx1">
                     <a:tint val="75000"/>
@@ -967,9 +970,9 @@
                 </a:solidFill>
               </a:defRPr>
             </a:lvl8pPr>
-            <a:lvl9pPr marL="2194560" indent="0">
-              <a:buNone/>
-              <a:defRPr sz="960">
+            <a:lvl9pPr marL="6827642" indent="0">
+              <a:buNone/>
+              <a:defRPr sz="2987">
                 <a:solidFill>
                   <a:schemeClr val="tx1">
                     <a:tint val="75000"/>
@@ -1002,9 +1005,9 @@
           <a:bodyPr/>
           <a:lstStyle/>
           <a:p>
-            <a:fld id="{ABD4A841-80D1-462D-B657-2E7F2F5A15C7}" type="datetimeFigureOut">
+            <a:fld id="{C9077A9B-68BF-48A8-B8CF-488600E3845C}" type="datetimeFigureOut">
               <a:rPr lang="en-US" smtClean="0"/>
-              <a:t>3/24/2022</a:t>
+              <a:t>12/9/2022</a:t>
             </a:fld>
             <a:endParaRPr lang="en-US"/>
           </a:p>
@@ -1044,7 +1047,7 @@
           <a:bodyPr/>
           <a:lstStyle/>
           <a:p>
-            <a:fld id="{E58AEFB8-BD10-4C07-9342-E6174408B9F7}" type="slidenum">
+            <a:fld id="{84A1A558-EA39-41B7-BCDD-74557D258CB5}" type="slidenum">
               <a:rPr lang="en-US" smtClean="0"/>
               <a:t>‹#›</a:t>
             </a:fld>
@@ -1055,7 +1058,7 @@
     </p:spTree>
     <p:extLst>
       <p:ext uri="{BB962C8B-B14F-4D97-AF65-F5344CB8AC3E}">
-        <p14:creationId xmlns:p14="http://schemas.microsoft.com/office/powerpoint/2010/main" val="3711430930"/>
+        <p14:creationId xmlns:p14="http://schemas.microsoft.com/office/powerpoint/2010/main" val="3015030662"/>
       </p:ext>
     </p:extLst>
   </p:cSld>
@@ -1117,8 +1120,8 @@
         </p:nvSpPr>
         <p:spPr>
           <a:xfrm>
-            <a:off x="838200" y="1095375"/>
-            <a:ext cx="5181600" cy="2610803"/>
+            <a:off x="1257300" y="3407833"/>
+            <a:ext cx="7772400" cy="8122498"/>
           </a:xfrm>
         </p:spPr>
         <p:txBody>
@@ -1174,8 +1177,8 @@
         </p:nvSpPr>
         <p:spPr>
           <a:xfrm>
-            <a:off x="6172200" y="1095375"/>
-            <a:ext cx="5181600" cy="2610803"/>
+            <a:off x="9258300" y="3407833"/>
+            <a:ext cx="7772400" cy="8122498"/>
           </a:xfrm>
         </p:spPr>
         <p:txBody>
@@ -1234,9 +1237,9 @@
           <a:bodyPr/>
           <a:lstStyle/>
           <a:p>
-            <a:fld id="{ABD4A841-80D1-462D-B657-2E7F2F5A15C7}" type="datetimeFigureOut">
+            <a:fld id="{C9077A9B-68BF-48A8-B8CF-488600E3845C}" type="datetimeFigureOut">
               <a:rPr lang="en-US" smtClean="0"/>
-              <a:t>3/24/2022</a:t>
+              <a:t>12/9/2022</a:t>
             </a:fld>
             <a:endParaRPr lang="en-US"/>
           </a:p>
@@ -1276,7 +1279,7 @@
           <a:bodyPr/>
           <a:lstStyle/>
           <a:p>
-            <a:fld id="{E58AEFB8-BD10-4C07-9342-E6174408B9F7}" type="slidenum">
+            <a:fld id="{84A1A558-EA39-41B7-BCDD-74557D258CB5}" type="slidenum">
               <a:rPr lang="en-US" smtClean="0"/>
               <a:t>‹#›</a:t>
             </a:fld>
@@ -1287,7 +1290,7 @@
     </p:spTree>
     <p:extLst>
       <p:ext uri="{BB962C8B-B14F-4D97-AF65-F5344CB8AC3E}">
-        <p14:creationId xmlns:p14="http://schemas.microsoft.com/office/powerpoint/2010/main" val="821545746"/>
+        <p14:creationId xmlns:p14="http://schemas.microsoft.com/office/powerpoint/2010/main" val="2986125434"/>
       </p:ext>
     </p:extLst>
   </p:cSld>
@@ -1326,8 +1329,8 @@
         </p:nvSpPr>
         <p:spPr>
           <a:xfrm>
-            <a:off x="839788" y="219075"/>
-            <a:ext cx="10515600" cy="795338"/>
+            <a:off x="1259682" y="681570"/>
+            <a:ext cx="15773400" cy="2474384"/>
           </a:xfrm>
         </p:spPr>
         <p:txBody>
@@ -1354,8 +1357,8 @@
         </p:nvSpPr>
         <p:spPr>
           <a:xfrm>
-            <a:off x="839789" y="1008698"/>
-            <a:ext cx="5157787" cy="494347"/>
+            <a:off x="1259684" y="3138171"/>
+            <a:ext cx="7736680" cy="1537969"/>
           </a:xfrm>
         </p:spPr>
         <p:txBody>
@@ -1363,39 +1366,39 @@
           <a:lstStyle>
             <a:lvl1pPr marL="0" indent="0">
               <a:buNone/>
-              <a:defRPr sz="1440" b="1"/>
+              <a:defRPr sz="4480" b="1"/>
             </a:lvl1pPr>
-            <a:lvl2pPr marL="274320" indent="0">
-              <a:buNone/>
-              <a:defRPr sz="1200" b="1"/>
+            <a:lvl2pPr marL="853455" indent="0">
+              <a:buNone/>
+              <a:defRPr sz="3733" b="1"/>
             </a:lvl2pPr>
-            <a:lvl3pPr marL="548640" indent="0">
-              <a:buNone/>
-              <a:defRPr sz="1080" b="1"/>
+            <a:lvl3pPr marL="1706910" indent="0">
+              <a:buNone/>
+              <a:defRPr sz="3360" b="1"/>
             </a:lvl3pPr>
-            <a:lvl4pPr marL="822960" indent="0">
-              <a:buNone/>
-              <a:defRPr sz="960" b="1"/>
+            <a:lvl4pPr marL="2560366" indent="0">
+              <a:buNone/>
+              <a:defRPr sz="2987" b="1"/>
             </a:lvl4pPr>
-            <a:lvl5pPr marL="1097280" indent="0">
-              <a:buNone/>
-              <a:defRPr sz="960" b="1"/>
+            <a:lvl5pPr marL="3413821" indent="0">
+              <a:buNone/>
+              <a:defRPr sz="2987" b="1"/>
             </a:lvl5pPr>
-            <a:lvl6pPr marL="1371600" indent="0">
-              <a:buNone/>
-              <a:defRPr sz="960" b="1"/>
+            <a:lvl6pPr marL="4267276" indent="0">
+              <a:buNone/>
+              <a:defRPr sz="2987" b="1"/>
             </a:lvl6pPr>
-            <a:lvl7pPr marL="1645920" indent="0">
-              <a:buNone/>
-              <a:defRPr sz="960" b="1"/>
+            <a:lvl7pPr marL="5120731" indent="0">
+              <a:buNone/>
+              <a:defRPr sz="2987" b="1"/>
             </a:lvl7pPr>
-            <a:lvl8pPr marL="1920240" indent="0">
-              <a:buNone/>
-              <a:defRPr sz="960" b="1"/>
+            <a:lvl8pPr marL="5974187" indent="0">
+              <a:buNone/>
+              <a:defRPr sz="2987" b="1"/>
             </a:lvl8pPr>
-            <a:lvl9pPr marL="2194560" indent="0">
-              <a:buNone/>
-              <a:defRPr sz="960" b="1"/>
+            <a:lvl9pPr marL="6827642" indent="0">
+              <a:buNone/>
+              <a:defRPr sz="2987" b="1"/>
             </a:lvl9pPr>
           </a:lstStyle>
           <a:p>
@@ -1419,8 +1422,8 @@
         </p:nvSpPr>
         <p:spPr>
           <a:xfrm>
-            <a:off x="839789" y="1503045"/>
-            <a:ext cx="5157787" cy="2210753"/>
+            <a:off x="1259684" y="4676140"/>
+            <a:ext cx="7736680" cy="6877898"/>
           </a:xfrm>
         </p:spPr>
         <p:txBody>
@@ -1476,8 +1479,8 @@
         </p:nvSpPr>
         <p:spPr>
           <a:xfrm>
-            <a:off x="6172200" y="1008698"/>
-            <a:ext cx="5183188" cy="494347"/>
+            <a:off x="9258301" y="3138171"/>
+            <a:ext cx="7774782" cy="1537969"/>
           </a:xfrm>
         </p:spPr>
         <p:txBody>
@@ -1485,39 +1488,39 @@
           <a:lstStyle>
             <a:lvl1pPr marL="0" indent="0">
               <a:buNone/>
-              <a:defRPr sz="1440" b="1"/>
+              <a:defRPr sz="4480" b="1"/>
             </a:lvl1pPr>
-            <a:lvl2pPr marL="274320" indent="0">
-              <a:buNone/>
-              <a:defRPr sz="1200" b="1"/>
+            <a:lvl2pPr marL="853455" indent="0">
+              <a:buNone/>
+              <a:defRPr sz="3733" b="1"/>
             </a:lvl2pPr>
-            <a:lvl3pPr marL="548640" indent="0">
-              <a:buNone/>
-              <a:defRPr sz="1080" b="1"/>
+            <a:lvl3pPr marL="1706910" indent="0">
+              <a:buNone/>
+              <a:defRPr sz="3360" b="1"/>
             </a:lvl3pPr>
-            <a:lvl4pPr marL="822960" indent="0">
-              <a:buNone/>
-              <a:defRPr sz="960" b="1"/>
+            <a:lvl4pPr marL="2560366" indent="0">
+              <a:buNone/>
+              <a:defRPr sz="2987" b="1"/>
             </a:lvl4pPr>
-            <a:lvl5pPr marL="1097280" indent="0">
-              <a:buNone/>
-              <a:defRPr sz="960" b="1"/>
+            <a:lvl5pPr marL="3413821" indent="0">
+              <a:buNone/>
+              <a:defRPr sz="2987" b="1"/>
             </a:lvl5pPr>
-            <a:lvl6pPr marL="1371600" indent="0">
-              <a:buNone/>
-              <a:defRPr sz="960" b="1"/>
+            <a:lvl6pPr marL="4267276" indent="0">
+              <a:buNone/>
+              <a:defRPr sz="2987" b="1"/>
             </a:lvl6pPr>
-            <a:lvl7pPr marL="1645920" indent="0">
-              <a:buNone/>
-              <a:defRPr sz="960" b="1"/>
+            <a:lvl7pPr marL="5120731" indent="0">
+              <a:buNone/>
+              <a:defRPr sz="2987" b="1"/>
             </a:lvl7pPr>
-            <a:lvl8pPr marL="1920240" indent="0">
-              <a:buNone/>
-              <a:defRPr sz="960" b="1"/>
+            <a:lvl8pPr marL="5974187" indent="0">
+              <a:buNone/>
+              <a:defRPr sz="2987" b="1"/>
             </a:lvl8pPr>
-            <a:lvl9pPr marL="2194560" indent="0">
-              <a:buNone/>
-              <a:defRPr sz="960" b="1"/>
+            <a:lvl9pPr marL="6827642" indent="0">
+              <a:buNone/>
+              <a:defRPr sz="2987" b="1"/>
             </a:lvl9pPr>
           </a:lstStyle>
           <a:p>
@@ -1541,8 +1544,8 @@
         </p:nvSpPr>
         <p:spPr>
           <a:xfrm>
-            <a:off x="6172200" y="1503045"/>
-            <a:ext cx="5183188" cy="2210753"/>
+            <a:off x="9258301" y="4676140"/>
+            <a:ext cx="7774782" cy="6877898"/>
           </a:xfrm>
         </p:spPr>
         <p:txBody>
@@ -1601,9 +1604,9 @@
           <a:bodyPr/>
           <a:lstStyle/>
           <a:p>
-            <a:fld id="{ABD4A841-80D1-462D-B657-2E7F2F5A15C7}" type="datetimeFigureOut">
+            <a:fld id="{C9077A9B-68BF-48A8-B8CF-488600E3845C}" type="datetimeFigureOut">
               <a:rPr lang="en-US" smtClean="0"/>
-              <a:t>3/24/2022</a:t>
+              <a:t>12/9/2022</a:t>
             </a:fld>
             <a:endParaRPr lang="en-US"/>
           </a:p>
@@ -1643,7 +1646,7 @@
           <a:bodyPr/>
           <a:lstStyle/>
           <a:p>
-            <a:fld id="{E58AEFB8-BD10-4C07-9342-E6174408B9F7}" type="slidenum">
+            <a:fld id="{84A1A558-EA39-41B7-BCDD-74557D258CB5}" type="slidenum">
               <a:rPr lang="en-US" smtClean="0"/>
               <a:t>‹#›</a:t>
             </a:fld>
@@ -1654,7 +1657,7 @@
     </p:spTree>
     <p:extLst>
       <p:ext uri="{BB962C8B-B14F-4D97-AF65-F5344CB8AC3E}">
-        <p14:creationId xmlns:p14="http://schemas.microsoft.com/office/powerpoint/2010/main" val="1888016632"/>
+        <p14:creationId xmlns:p14="http://schemas.microsoft.com/office/powerpoint/2010/main" val="1316411457"/>
       </p:ext>
     </p:extLst>
   </p:cSld>
@@ -1719,9 +1722,9 @@
           <a:bodyPr/>
           <a:lstStyle/>
           <a:p>
-            <a:fld id="{ABD4A841-80D1-462D-B657-2E7F2F5A15C7}" type="datetimeFigureOut">
+            <a:fld id="{C9077A9B-68BF-48A8-B8CF-488600E3845C}" type="datetimeFigureOut">
               <a:rPr lang="en-US" smtClean="0"/>
-              <a:t>3/24/2022</a:t>
+              <a:t>12/9/2022</a:t>
             </a:fld>
             <a:endParaRPr lang="en-US"/>
           </a:p>
@@ -1761,7 +1764,7 @@
           <a:bodyPr/>
           <a:lstStyle/>
           <a:p>
-            <a:fld id="{E58AEFB8-BD10-4C07-9342-E6174408B9F7}" type="slidenum">
+            <a:fld id="{84A1A558-EA39-41B7-BCDD-74557D258CB5}" type="slidenum">
               <a:rPr lang="en-US" smtClean="0"/>
               <a:t>‹#›</a:t>
             </a:fld>
@@ -1772,7 +1775,7 @@
     </p:spTree>
     <p:extLst>
       <p:ext uri="{BB962C8B-B14F-4D97-AF65-F5344CB8AC3E}">
-        <p14:creationId xmlns:p14="http://schemas.microsoft.com/office/powerpoint/2010/main" val="2259691474"/>
+        <p14:creationId xmlns:p14="http://schemas.microsoft.com/office/powerpoint/2010/main" val="2823471265"/>
       </p:ext>
     </p:extLst>
   </p:cSld>
@@ -1814,9 +1817,9 @@
           <a:bodyPr/>
           <a:lstStyle/>
           <a:p>
-            <a:fld id="{ABD4A841-80D1-462D-B657-2E7F2F5A15C7}" type="datetimeFigureOut">
+            <a:fld id="{C9077A9B-68BF-48A8-B8CF-488600E3845C}" type="datetimeFigureOut">
               <a:rPr lang="en-US" smtClean="0"/>
-              <a:t>3/24/2022</a:t>
+              <a:t>12/9/2022</a:t>
             </a:fld>
             <a:endParaRPr lang="en-US"/>
           </a:p>
@@ -1856,7 +1859,7 @@
           <a:bodyPr/>
           <a:lstStyle/>
           <a:p>
-            <a:fld id="{E58AEFB8-BD10-4C07-9342-E6174408B9F7}" type="slidenum">
+            <a:fld id="{84A1A558-EA39-41B7-BCDD-74557D258CB5}" type="slidenum">
               <a:rPr lang="en-US" smtClean="0"/>
               <a:t>‹#›</a:t>
             </a:fld>
@@ -1867,7 +1870,7 @@
     </p:spTree>
     <p:extLst>
       <p:ext uri="{BB962C8B-B14F-4D97-AF65-F5344CB8AC3E}">
-        <p14:creationId xmlns:p14="http://schemas.microsoft.com/office/powerpoint/2010/main" val="2650189857"/>
+        <p14:creationId xmlns:p14="http://schemas.microsoft.com/office/powerpoint/2010/main" val="754640016"/>
       </p:ext>
     </p:extLst>
   </p:cSld>
@@ -1906,15 +1909,15 @@
         </p:nvSpPr>
         <p:spPr>
           <a:xfrm>
-            <a:off x="839789" y="274320"/>
-            <a:ext cx="3932237" cy="960120"/>
+            <a:off x="1259682" y="853440"/>
+            <a:ext cx="5898356" cy="2987040"/>
           </a:xfrm>
         </p:spPr>
         <p:txBody>
           <a:bodyPr anchor="b"/>
           <a:lstStyle>
             <a:lvl1pPr>
-              <a:defRPr sz="1920"/>
+              <a:defRPr sz="5973"/>
             </a:lvl1pPr>
           </a:lstStyle>
           <a:p>
@@ -1938,39 +1941,39 @@
         </p:nvSpPr>
         <p:spPr>
           <a:xfrm>
-            <a:off x="5183188" y="592455"/>
-            <a:ext cx="6172200" cy="2924175"/>
+            <a:off x="7774782" y="1843196"/>
+            <a:ext cx="9258300" cy="9097433"/>
           </a:xfrm>
         </p:spPr>
         <p:txBody>
           <a:bodyPr/>
           <a:lstStyle>
             <a:lvl1pPr>
-              <a:defRPr sz="1920"/>
+              <a:defRPr sz="5973"/>
             </a:lvl1pPr>
             <a:lvl2pPr>
-              <a:defRPr sz="1680"/>
+              <a:defRPr sz="5227"/>
             </a:lvl2pPr>
             <a:lvl3pPr>
-              <a:defRPr sz="1440"/>
+              <a:defRPr sz="4480"/>
             </a:lvl3pPr>
             <a:lvl4pPr>
-              <a:defRPr sz="1200"/>
+              <a:defRPr sz="3733"/>
             </a:lvl4pPr>
             <a:lvl5pPr>
-              <a:defRPr sz="1200"/>
+              <a:defRPr sz="3733"/>
             </a:lvl5pPr>
             <a:lvl6pPr>
-              <a:defRPr sz="1200"/>
+              <a:defRPr sz="3733"/>
             </a:lvl6pPr>
             <a:lvl7pPr>
-              <a:defRPr sz="1200"/>
+              <a:defRPr sz="3733"/>
             </a:lvl7pPr>
             <a:lvl8pPr>
-              <a:defRPr sz="1200"/>
+              <a:defRPr sz="3733"/>
             </a:lvl8pPr>
             <a:lvl9pPr>
-              <a:defRPr sz="1200"/>
+              <a:defRPr sz="3733"/>
             </a:lvl9pPr>
           </a:lstStyle>
           <a:p>
@@ -2023,8 +2026,8 @@
         </p:nvSpPr>
         <p:spPr>
           <a:xfrm>
-            <a:off x="839789" y="1234440"/>
-            <a:ext cx="3932237" cy="2286953"/>
+            <a:off x="1259682" y="3840480"/>
+            <a:ext cx="5898356" cy="7114964"/>
           </a:xfrm>
         </p:spPr>
         <p:txBody>
@@ -2032,39 +2035,39 @@
           <a:lstStyle>
             <a:lvl1pPr marL="0" indent="0">
               <a:buNone/>
-              <a:defRPr sz="960"/>
+              <a:defRPr sz="2987"/>
             </a:lvl1pPr>
-            <a:lvl2pPr marL="274320" indent="0">
-              <a:buNone/>
-              <a:defRPr sz="840"/>
+            <a:lvl2pPr marL="853455" indent="0">
+              <a:buNone/>
+              <a:defRPr sz="2613"/>
             </a:lvl2pPr>
-            <a:lvl3pPr marL="548640" indent="0">
-              <a:buNone/>
-              <a:defRPr sz="720"/>
+            <a:lvl3pPr marL="1706910" indent="0">
+              <a:buNone/>
+              <a:defRPr sz="2240"/>
             </a:lvl3pPr>
-            <a:lvl4pPr marL="822960" indent="0">
-              <a:buNone/>
-              <a:defRPr sz="600"/>
+            <a:lvl4pPr marL="2560366" indent="0">
+              <a:buNone/>
+              <a:defRPr sz="1867"/>
             </a:lvl4pPr>
-            <a:lvl5pPr marL="1097280" indent="0">
-              <a:buNone/>
-              <a:defRPr sz="600"/>
+            <a:lvl5pPr marL="3413821" indent="0">
+              <a:buNone/>
+              <a:defRPr sz="1867"/>
             </a:lvl5pPr>
-            <a:lvl6pPr marL="1371600" indent="0">
-              <a:buNone/>
-              <a:defRPr sz="600"/>
+            <a:lvl6pPr marL="4267276" indent="0">
+              <a:buNone/>
+              <a:defRPr sz="1867"/>
             </a:lvl6pPr>
-            <a:lvl7pPr marL="1645920" indent="0">
-              <a:buNone/>
-              <a:defRPr sz="600"/>
+            <a:lvl7pPr marL="5120731" indent="0">
+              <a:buNone/>
+              <a:defRPr sz="1867"/>
             </a:lvl7pPr>
-            <a:lvl8pPr marL="1920240" indent="0">
-              <a:buNone/>
-              <a:defRPr sz="600"/>
+            <a:lvl8pPr marL="5974187" indent="0">
+              <a:buNone/>
+              <a:defRPr sz="1867"/>
             </a:lvl8pPr>
-            <a:lvl9pPr marL="2194560" indent="0">
-              <a:buNone/>
-              <a:defRPr sz="600"/>
+            <a:lvl9pPr marL="6827642" indent="0">
+              <a:buNone/>
+              <a:defRPr sz="1867"/>
             </a:lvl9pPr>
           </a:lstStyle>
           <a:p>
@@ -2091,9 +2094,9 @@
           <a:bodyPr/>
           <a:lstStyle/>
           <a:p>
-            <a:fld id="{ABD4A841-80D1-462D-B657-2E7F2F5A15C7}" type="datetimeFigureOut">
+            <a:fld id="{C9077A9B-68BF-48A8-B8CF-488600E3845C}" type="datetimeFigureOut">
               <a:rPr lang="en-US" smtClean="0"/>
-              <a:t>3/24/2022</a:t>
+              <a:t>12/9/2022</a:t>
             </a:fld>
             <a:endParaRPr lang="en-US"/>
           </a:p>
@@ -2133,7 +2136,7 @@
           <a:bodyPr/>
           <a:lstStyle/>
           <a:p>
-            <a:fld id="{E58AEFB8-BD10-4C07-9342-E6174408B9F7}" type="slidenum">
+            <a:fld id="{84A1A558-EA39-41B7-BCDD-74557D258CB5}" type="slidenum">
               <a:rPr lang="en-US" smtClean="0"/>
               <a:t>‹#›</a:t>
             </a:fld>
@@ -2144,7 +2147,7 @@
     </p:spTree>
     <p:extLst>
       <p:ext uri="{BB962C8B-B14F-4D97-AF65-F5344CB8AC3E}">
-        <p14:creationId xmlns:p14="http://schemas.microsoft.com/office/powerpoint/2010/main" val="2115443716"/>
+        <p14:creationId xmlns:p14="http://schemas.microsoft.com/office/powerpoint/2010/main" val="964443968"/>
       </p:ext>
     </p:extLst>
   </p:cSld>
@@ -2183,15 +2186,15 @@
         </p:nvSpPr>
         <p:spPr>
           <a:xfrm>
-            <a:off x="839789" y="274320"/>
-            <a:ext cx="3932237" cy="960120"/>
+            <a:off x="1259682" y="853440"/>
+            <a:ext cx="5898356" cy="2987040"/>
           </a:xfrm>
         </p:spPr>
         <p:txBody>
           <a:bodyPr anchor="b"/>
           <a:lstStyle>
             <a:lvl1pPr>
-              <a:defRPr sz="1920"/>
+              <a:defRPr sz="5973"/>
             </a:lvl1pPr>
           </a:lstStyle>
           <a:p>
@@ -2215,8 +2218,8 @@
         </p:nvSpPr>
         <p:spPr>
           <a:xfrm>
-            <a:off x="5183188" y="592455"/>
-            <a:ext cx="6172200" cy="2924175"/>
+            <a:off x="7774782" y="1843196"/>
+            <a:ext cx="9258300" cy="9097433"/>
           </a:xfrm>
         </p:spPr>
         <p:txBody>
@@ -2224,39 +2227,39 @@
           <a:lstStyle>
             <a:lvl1pPr marL="0" indent="0">
               <a:buNone/>
-              <a:defRPr sz="1920"/>
+              <a:defRPr sz="5973"/>
             </a:lvl1pPr>
-            <a:lvl2pPr marL="274320" indent="0">
-              <a:buNone/>
-              <a:defRPr sz="1680"/>
+            <a:lvl2pPr marL="853455" indent="0">
+              <a:buNone/>
+              <a:defRPr sz="5227"/>
             </a:lvl2pPr>
-            <a:lvl3pPr marL="548640" indent="0">
-              <a:buNone/>
-              <a:defRPr sz="1440"/>
+            <a:lvl3pPr marL="1706910" indent="0">
+              <a:buNone/>
+              <a:defRPr sz="4480"/>
             </a:lvl3pPr>
-            <a:lvl4pPr marL="822960" indent="0">
-              <a:buNone/>
-              <a:defRPr sz="1200"/>
+            <a:lvl4pPr marL="2560366" indent="0">
+              <a:buNone/>
+              <a:defRPr sz="3733"/>
             </a:lvl4pPr>
-            <a:lvl5pPr marL="1097280" indent="0">
-              <a:buNone/>
-              <a:defRPr sz="1200"/>
+            <a:lvl5pPr marL="3413821" indent="0">
+              <a:buNone/>
+              <a:defRPr sz="3733"/>
             </a:lvl5pPr>
-            <a:lvl6pPr marL="1371600" indent="0">
-              <a:buNone/>
-              <a:defRPr sz="1200"/>
+            <a:lvl6pPr marL="4267276" indent="0">
+              <a:buNone/>
+              <a:defRPr sz="3733"/>
             </a:lvl6pPr>
-            <a:lvl7pPr marL="1645920" indent="0">
-              <a:buNone/>
-              <a:defRPr sz="1200"/>
+            <a:lvl7pPr marL="5120731" indent="0">
+              <a:buNone/>
+              <a:defRPr sz="3733"/>
             </a:lvl7pPr>
-            <a:lvl8pPr marL="1920240" indent="0">
-              <a:buNone/>
-              <a:defRPr sz="1200"/>
+            <a:lvl8pPr marL="5974187" indent="0">
+              <a:buNone/>
+              <a:defRPr sz="3733"/>
             </a:lvl8pPr>
-            <a:lvl9pPr marL="2194560" indent="0">
-              <a:buNone/>
-              <a:defRPr sz="1200"/>
+            <a:lvl9pPr marL="6827642" indent="0">
+              <a:buNone/>
+              <a:defRPr sz="3733"/>
             </a:lvl9pPr>
           </a:lstStyle>
           <a:p>
@@ -2280,8 +2283,8 @@
         </p:nvSpPr>
         <p:spPr>
           <a:xfrm>
-            <a:off x="839789" y="1234440"/>
-            <a:ext cx="3932237" cy="2286953"/>
+            <a:off x="1259682" y="3840480"/>
+            <a:ext cx="5898356" cy="7114964"/>
           </a:xfrm>
         </p:spPr>
         <p:txBody>
@@ -2289,39 +2292,39 @@
           <a:lstStyle>
             <a:lvl1pPr marL="0" indent="0">
               <a:buNone/>
-              <a:defRPr sz="960"/>
+              <a:defRPr sz="2987"/>
             </a:lvl1pPr>
-            <a:lvl2pPr marL="274320" indent="0">
-              <a:buNone/>
-              <a:defRPr sz="840"/>
+            <a:lvl2pPr marL="853455" indent="0">
+              <a:buNone/>
+              <a:defRPr sz="2613"/>
             </a:lvl2pPr>
-            <a:lvl3pPr marL="548640" indent="0">
-              <a:buNone/>
-              <a:defRPr sz="720"/>
+            <a:lvl3pPr marL="1706910" indent="0">
+              <a:buNone/>
+              <a:defRPr sz="2240"/>
             </a:lvl3pPr>
-            <a:lvl4pPr marL="822960" indent="0">
-              <a:buNone/>
-              <a:defRPr sz="600"/>
+            <a:lvl4pPr marL="2560366" indent="0">
+              <a:buNone/>
+              <a:defRPr sz="1867"/>
             </a:lvl4pPr>
-            <a:lvl5pPr marL="1097280" indent="0">
-              <a:buNone/>
-              <a:defRPr sz="600"/>
+            <a:lvl5pPr marL="3413821" indent="0">
+              <a:buNone/>
+              <a:defRPr sz="1867"/>
             </a:lvl5pPr>
-            <a:lvl6pPr marL="1371600" indent="0">
-              <a:buNone/>
-              <a:defRPr sz="600"/>
+            <a:lvl6pPr marL="4267276" indent="0">
+              <a:buNone/>
+              <a:defRPr sz="1867"/>
             </a:lvl6pPr>
-            <a:lvl7pPr marL="1645920" indent="0">
-              <a:buNone/>
-              <a:defRPr sz="600"/>
+            <a:lvl7pPr marL="5120731" indent="0">
+              <a:buNone/>
+              <a:defRPr sz="1867"/>
             </a:lvl7pPr>
-            <a:lvl8pPr marL="1920240" indent="0">
-              <a:buNone/>
-              <a:defRPr sz="600"/>
+            <a:lvl8pPr marL="5974187" indent="0">
+              <a:buNone/>
+              <a:defRPr sz="1867"/>
             </a:lvl8pPr>
-            <a:lvl9pPr marL="2194560" indent="0">
-              <a:buNone/>
-              <a:defRPr sz="600"/>
+            <a:lvl9pPr marL="6827642" indent="0">
+              <a:buNone/>
+              <a:defRPr sz="1867"/>
             </a:lvl9pPr>
           </a:lstStyle>
           <a:p>
@@ -2348,9 +2351,9 @@
           <a:bodyPr/>
           <a:lstStyle/>
           <a:p>
-            <a:fld id="{ABD4A841-80D1-462D-B657-2E7F2F5A15C7}" type="datetimeFigureOut">
+            <a:fld id="{C9077A9B-68BF-48A8-B8CF-488600E3845C}" type="datetimeFigureOut">
               <a:rPr lang="en-US" smtClean="0"/>
-              <a:t>3/24/2022</a:t>
+              <a:t>12/9/2022</a:t>
             </a:fld>
             <a:endParaRPr lang="en-US"/>
           </a:p>
@@ -2390,7 +2393,7 @@
           <a:bodyPr/>
           <a:lstStyle/>
           <a:p>
-            <a:fld id="{E58AEFB8-BD10-4C07-9342-E6174408B9F7}" type="slidenum">
+            <a:fld id="{84A1A558-EA39-41B7-BCDD-74557D258CB5}" type="slidenum">
               <a:rPr lang="en-US" smtClean="0"/>
               <a:t>‹#›</a:t>
             </a:fld>
@@ -2401,7 +2404,7 @@
     </p:spTree>
     <p:extLst>
       <p:ext uri="{BB962C8B-B14F-4D97-AF65-F5344CB8AC3E}">
-        <p14:creationId xmlns:p14="http://schemas.microsoft.com/office/powerpoint/2010/main" val="1165061339"/>
+        <p14:creationId xmlns:p14="http://schemas.microsoft.com/office/powerpoint/2010/main" val="3720184355"/>
       </p:ext>
     </p:extLst>
   </p:cSld>
@@ -2445,8 +2448,8 @@
         </p:nvSpPr>
         <p:spPr>
           <a:xfrm>
-            <a:off x="838200" y="219075"/>
-            <a:ext cx="10515600" cy="795338"/>
+            <a:off x="1257300" y="681570"/>
+            <a:ext cx="15773400" cy="2474384"/>
           </a:xfrm>
           <a:prstGeom prst="rect">
             <a:avLst/>
@@ -2478,8 +2481,8 @@
         </p:nvSpPr>
         <p:spPr>
           <a:xfrm>
-            <a:off x="838200" y="1095375"/>
-            <a:ext cx="10515600" cy="2610803"/>
+            <a:off x="1257300" y="3407833"/>
+            <a:ext cx="15773400" cy="8122498"/>
           </a:xfrm>
           <a:prstGeom prst="rect">
             <a:avLst/>
@@ -2540,8 +2543,8 @@
         </p:nvSpPr>
         <p:spPr>
           <a:xfrm>
-            <a:off x="838200" y="3813810"/>
-            <a:ext cx="2743200" cy="219075"/>
+            <a:off x="1257300" y="11865189"/>
+            <a:ext cx="4114800" cy="681567"/>
           </a:xfrm>
           <a:prstGeom prst="rect">
             <a:avLst/>
@@ -2551,7 +2554,7 @@
           <a:bodyPr vert="horz" lIns="91440" tIns="45720" rIns="91440" bIns="45720" rtlCol="0" anchor="ctr"/>
           <a:lstStyle>
             <a:lvl1pPr algn="l">
-              <a:defRPr sz="720">
+              <a:defRPr sz="2240">
                 <a:solidFill>
                   <a:schemeClr val="tx1">
                     <a:tint val="75000"/>
@@ -2561,9 +2564,9 @@
             </a:lvl1pPr>
           </a:lstStyle>
           <a:p>
-            <a:fld id="{ABD4A841-80D1-462D-B657-2E7F2F5A15C7}" type="datetimeFigureOut">
+            <a:fld id="{C9077A9B-68BF-48A8-B8CF-488600E3845C}" type="datetimeFigureOut">
               <a:rPr lang="en-US" smtClean="0"/>
-              <a:t>3/24/2022</a:t>
+              <a:t>12/9/2022</a:t>
             </a:fld>
             <a:endParaRPr lang="en-US"/>
           </a:p>
@@ -2581,8 +2584,8 @@
         </p:nvSpPr>
         <p:spPr>
           <a:xfrm>
-            <a:off x="4038600" y="3813810"/>
-            <a:ext cx="4114800" cy="219075"/>
+            <a:off x="6057900" y="11865189"/>
+            <a:ext cx="6172200" cy="681567"/>
           </a:xfrm>
           <a:prstGeom prst="rect">
             <a:avLst/>
@@ -2592,7 +2595,7 @@
           <a:bodyPr vert="horz" lIns="91440" tIns="45720" rIns="91440" bIns="45720" rtlCol="0" anchor="ctr"/>
           <a:lstStyle>
             <a:lvl1pPr algn="ctr">
-              <a:defRPr sz="720">
+              <a:defRPr sz="2240">
                 <a:solidFill>
                   <a:schemeClr val="tx1">
                     <a:tint val="75000"/>
@@ -2618,8 +2621,8 @@
         </p:nvSpPr>
         <p:spPr>
           <a:xfrm>
-            <a:off x="8610600" y="3813810"/>
-            <a:ext cx="2743200" cy="219075"/>
+            <a:off x="12915900" y="11865189"/>
+            <a:ext cx="4114800" cy="681567"/>
           </a:xfrm>
           <a:prstGeom prst="rect">
             <a:avLst/>
@@ -2629,7 +2632,7 @@
           <a:bodyPr vert="horz" lIns="91440" tIns="45720" rIns="91440" bIns="45720" rtlCol="0" anchor="ctr"/>
           <a:lstStyle>
             <a:lvl1pPr algn="r">
-              <a:defRPr sz="720">
+              <a:defRPr sz="2240">
                 <a:solidFill>
                   <a:schemeClr val="tx1">
                     <a:tint val="75000"/>
@@ -2639,7 +2642,7 @@
             </a:lvl1pPr>
           </a:lstStyle>
           <a:p>
-            <a:fld id="{E58AEFB8-BD10-4C07-9342-E6174408B9F7}" type="slidenum">
+            <a:fld id="{84A1A558-EA39-41B7-BCDD-74557D258CB5}" type="slidenum">
               <a:rPr lang="en-US" smtClean="0"/>
               <a:t>‹#›</a:t>
             </a:fld>
@@ -2650,27 +2653,27 @@
     </p:spTree>
     <p:extLst>
       <p:ext uri="{BB962C8B-B14F-4D97-AF65-F5344CB8AC3E}">
-        <p14:creationId xmlns:p14="http://schemas.microsoft.com/office/powerpoint/2010/main" val="177854238"/>
+        <p14:creationId xmlns:p14="http://schemas.microsoft.com/office/powerpoint/2010/main" val="799321800"/>
       </p:ext>
     </p:extLst>
   </p:cSld>
   <p:clrMap bg1="lt1" tx1="dk1" bg2="lt2" tx2="dk2" accent1="accent1" accent2="accent2" accent3="accent3" accent4="accent4" accent5="accent5" accent6="accent6" hlink="hlink" folHlink="folHlink"/>
   <p:sldLayoutIdLst>
-    <p:sldLayoutId id="2147483685" r:id="rId1"/>
-    <p:sldLayoutId id="2147483686" r:id="rId2"/>
-    <p:sldLayoutId id="2147483687" r:id="rId3"/>
-    <p:sldLayoutId id="2147483688" r:id="rId4"/>
-    <p:sldLayoutId id="2147483689" r:id="rId5"/>
-    <p:sldLayoutId id="2147483690" r:id="rId6"/>
-    <p:sldLayoutId id="2147483691" r:id="rId7"/>
-    <p:sldLayoutId id="2147483692" r:id="rId8"/>
-    <p:sldLayoutId id="2147483693" r:id="rId9"/>
-    <p:sldLayoutId id="2147483694" r:id="rId10"/>
-    <p:sldLayoutId id="2147483695" r:id="rId11"/>
+    <p:sldLayoutId id="2147483709" r:id="rId1"/>
+    <p:sldLayoutId id="2147483710" r:id="rId2"/>
+    <p:sldLayoutId id="2147483711" r:id="rId3"/>
+    <p:sldLayoutId id="2147483712" r:id="rId4"/>
+    <p:sldLayoutId id="2147483713" r:id="rId5"/>
+    <p:sldLayoutId id="2147483714" r:id="rId6"/>
+    <p:sldLayoutId id="2147483715" r:id="rId7"/>
+    <p:sldLayoutId id="2147483716" r:id="rId8"/>
+    <p:sldLayoutId id="2147483717" r:id="rId9"/>
+    <p:sldLayoutId id="2147483718" r:id="rId10"/>
+    <p:sldLayoutId id="2147483719" r:id="rId11"/>
   </p:sldLayoutIdLst>
   <p:txStyles>
     <p:titleStyle>
-      <a:lvl1pPr algn="l" defTabSz="548640" rtl="0" eaLnBrk="1" latinLnBrk="0" hangingPunct="1">
+      <a:lvl1pPr algn="l" defTabSz="1706910" rtl="0" eaLnBrk="1" latinLnBrk="0" hangingPunct="1">
         <a:lnSpc>
           <a:spcPct val="90000"/>
         </a:lnSpc>
@@ -2678,7 +2681,7 @@
           <a:spcPct val="0"/>
         </a:spcBef>
         <a:buNone/>
-        <a:defRPr sz="2640" kern="1200">
+        <a:defRPr sz="8213" kern="1200">
           <a:solidFill>
             <a:schemeClr val="tx1"/>
           </a:solidFill>
@@ -2689,16 +2692,16 @@
       </a:lvl1pPr>
     </p:titleStyle>
     <p:bodyStyle>
-      <a:lvl1pPr marL="137160" indent="-137160" algn="l" defTabSz="548640" rtl="0" eaLnBrk="1" latinLnBrk="0" hangingPunct="1">
+      <a:lvl1pPr marL="426728" indent="-426728" algn="l" defTabSz="1706910" rtl="0" eaLnBrk="1" latinLnBrk="0" hangingPunct="1">
         <a:lnSpc>
           <a:spcPct val="90000"/>
         </a:lnSpc>
         <a:spcBef>
-          <a:spcPts val="600"/>
+          <a:spcPts val="1867"/>
         </a:spcBef>
         <a:buFont typeface="Arial" panose="020B0604020202020204" pitchFamily="34" charset="0"/>
         <a:buChar char="•"/>
-        <a:defRPr sz="1680" kern="1200">
+        <a:defRPr sz="5227" kern="1200">
           <a:solidFill>
             <a:schemeClr val="tx1"/>
           </a:solidFill>
@@ -2707,16 +2710,16 @@
           <a:cs typeface="+mn-cs"/>
         </a:defRPr>
       </a:lvl1pPr>
-      <a:lvl2pPr marL="411480" indent="-137160" algn="l" defTabSz="548640" rtl="0" eaLnBrk="1" latinLnBrk="0" hangingPunct="1">
+      <a:lvl2pPr marL="1280183" indent="-426728" algn="l" defTabSz="1706910" rtl="0" eaLnBrk="1" latinLnBrk="0" hangingPunct="1">
         <a:lnSpc>
           <a:spcPct val="90000"/>
         </a:lnSpc>
         <a:spcBef>
-          <a:spcPts val="300"/>
+          <a:spcPts val="933"/>
         </a:spcBef>
         <a:buFont typeface="Arial" panose="020B0604020202020204" pitchFamily="34" charset="0"/>
         <a:buChar char="•"/>
-        <a:defRPr sz="1440" kern="1200">
+        <a:defRPr sz="4480" kern="1200">
           <a:solidFill>
             <a:schemeClr val="tx1"/>
           </a:solidFill>
@@ -2725,16 +2728,16 @@
           <a:cs typeface="+mn-cs"/>
         </a:defRPr>
       </a:lvl2pPr>
-      <a:lvl3pPr marL="685800" indent="-137160" algn="l" defTabSz="548640" rtl="0" eaLnBrk="1" latinLnBrk="0" hangingPunct="1">
+      <a:lvl3pPr marL="2133638" indent="-426728" algn="l" defTabSz="1706910" rtl="0" eaLnBrk="1" latinLnBrk="0" hangingPunct="1">
         <a:lnSpc>
           <a:spcPct val="90000"/>
         </a:lnSpc>
         <a:spcBef>
-          <a:spcPts val="300"/>
+          <a:spcPts val="933"/>
         </a:spcBef>
         <a:buFont typeface="Arial" panose="020B0604020202020204" pitchFamily="34" charset="0"/>
         <a:buChar char="•"/>
-        <a:defRPr sz="1200" kern="1200">
+        <a:defRPr sz="3733" kern="1200">
           <a:solidFill>
             <a:schemeClr val="tx1"/>
           </a:solidFill>
@@ -2743,16 +2746,16 @@
           <a:cs typeface="+mn-cs"/>
         </a:defRPr>
       </a:lvl3pPr>
-      <a:lvl4pPr marL="960120" indent="-137160" algn="l" defTabSz="548640" rtl="0" eaLnBrk="1" latinLnBrk="0" hangingPunct="1">
+      <a:lvl4pPr marL="2987093" indent="-426728" algn="l" defTabSz="1706910" rtl="0" eaLnBrk="1" latinLnBrk="0" hangingPunct="1">
         <a:lnSpc>
           <a:spcPct val="90000"/>
         </a:lnSpc>
         <a:spcBef>
-          <a:spcPts val="300"/>
+          <a:spcPts val="933"/>
         </a:spcBef>
         <a:buFont typeface="Arial" panose="020B0604020202020204" pitchFamily="34" charset="0"/>
         <a:buChar char="•"/>
-        <a:defRPr sz="1080" kern="1200">
+        <a:defRPr sz="3360" kern="1200">
           <a:solidFill>
             <a:schemeClr val="tx1"/>
           </a:solidFill>
@@ -2761,16 +2764,16 @@
           <a:cs typeface="+mn-cs"/>
         </a:defRPr>
       </a:lvl4pPr>
-      <a:lvl5pPr marL="1234440" indent="-137160" algn="l" defTabSz="548640" rtl="0" eaLnBrk="1" latinLnBrk="0" hangingPunct="1">
+      <a:lvl5pPr marL="3840549" indent="-426728" algn="l" defTabSz="1706910" rtl="0" eaLnBrk="1" latinLnBrk="0" hangingPunct="1">
         <a:lnSpc>
           <a:spcPct val="90000"/>
         </a:lnSpc>
         <a:spcBef>
-          <a:spcPts val="300"/>
+          <a:spcPts val="933"/>
         </a:spcBef>
         <a:buFont typeface="Arial" panose="020B0604020202020204" pitchFamily="34" charset="0"/>
         <a:buChar char="•"/>
-        <a:defRPr sz="1080" kern="1200">
+        <a:defRPr sz="3360" kern="1200">
           <a:solidFill>
             <a:schemeClr val="tx1"/>
           </a:solidFill>
@@ -2779,16 +2782,16 @@
           <a:cs typeface="+mn-cs"/>
         </a:defRPr>
       </a:lvl5pPr>
-      <a:lvl6pPr marL="1508760" indent="-137160" algn="l" defTabSz="548640" rtl="0" eaLnBrk="1" latinLnBrk="0" hangingPunct="1">
+      <a:lvl6pPr marL="4694004" indent="-426728" algn="l" defTabSz="1706910" rtl="0" eaLnBrk="1" latinLnBrk="0" hangingPunct="1">
         <a:lnSpc>
           <a:spcPct val="90000"/>
         </a:lnSpc>
         <a:spcBef>
-          <a:spcPts val="300"/>
+          <a:spcPts val="933"/>
         </a:spcBef>
         <a:buFont typeface="Arial" panose="020B0604020202020204" pitchFamily="34" charset="0"/>
         <a:buChar char="•"/>
-        <a:defRPr sz="1080" kern="1200">
+        <a:defRPr sz="3360" kern="1200">
           <a:solidFill>
             <a:schemeClr val="tx1"/>
           </a:solidFill>
@@ -2797,16 +2800,16 @@
           <a:cs typeface="+mn-cs"/>
         </a:defRPr>
       </a:lvl6pPr>
-      <a:lvl7pPr marL="1783080" indent="-137160" algn="l" defTabSz="548640" rtl="0" eaLnBrk="1" latinLnBrk="0" hangingPunct="1">
+      <a:lvl7pPr marL="5547459" indent="-426728" algn="l" defTabSz="1706910" rtl="0" eaLnBrk="1" latinLnBrk="0" hangingPunct="1">
         <a:lnSpc>
           <a:spcPct val="90000"/>
         </a:lnSpc>
         <a:spcBef>
-          <a:spcPts val="300"/>
+          <a:spcPts val="933"/>
         </a:spcBef>
         <a:buFont typeface="Arial" panose="020B0604020202020204" pitchFamily="34" charset="0"/>
         <a:buChar char="•"/>
-        <a:defRPr sz="1080" kern="1200">
+        <a:defRPr sz="3360" kern="1200">
           <a:solidFill>
             <a:schemeClr val="tx1"/>
           </a:solidFill>
@@ -2815,16 +2818,16 @@
           <a:cs typeface="+mn-cs"/>
         </a:defRPr>
       </a:lvl7pPr>
-      <a:lvl8pPr marL="2057400" indent="-137160" algn="l" defTabSz="548640" rtl="0" eaLnBrk="1" latinLnBrk="0" hangingPunct="1">
+      <a:lvl8pPr marL="6400914" indent="-426728" algn="l" defTabSz="1706910" rtl="0" eaLnBrk="1" latinLnBrk="0" hangingPunct="1">
         <a:lnSpc>
           <a:spcPct val="90000"/>
         </a:lnSpc>
         <a:spcBef>
-          <a:spcPts val="300"/>
+          <a:spcPts val="933"/>
         </a:spcBef>
         <a:buFont typeface="Arial" panose="020B0604020202020204" pitchFamily="34" charset="0"/>
         <a:buChar char="•"/>
-        <a:defRPr sz="1080" kern="1200">
+        <a:defRPr sz="3360" kern="1200">
           <a:solidFill>
             <a:schemeClr val="tx1"/>
           </a:solidFill>
@@ -2833,16 +2836,16 @@
           <a:cs typeface="+mn-cs"/>
         </a:defRPr>
       </a:lvl8pPr>
-      <a:lvl9pPr marL="2331720" indent="-137160" algn="l" defTabSz="548640" rtl="0" eaLnBrk="1" latinLnBrk="0" hangingPunct="1">
+      <a:lvl9pPr marL="7254370" indent="-426728" algn="l" defTabSz="1706910" rtl="0" eaLnBrk="1" latinLnBrk="0" hangingPunct="1">
         <a:lnSpc>
           <a:spcPct val="90000"/>
         </a:lnSpc>
         <a:spcBef>
-          <a:spcPts val="300"/>
+          <a:spcPts val="933"/>
         </a:spcBef>
         <a:buFont typeface="Arial" panose="020B0604020202020204" pitchFamily="34" charset="0"/>
         <a:buChar char="•"/>
-        <a:defRPr sz="1080" kern="1200">
+        <a:defRPr sz="3360" kern="1200">
           <a:solidFill>
             <a:schemeClr val="tx1"/>
           </a:solidFill>
@@ -2856,8 +2859,8 @@
       <a:defPPr>
         <a:defRPr lang="en-US"/>
       </a:defPPr>
-      <a:lvl1pPr marL="0" algn="l" defTabSz="548640" rtl="0" eaLnBrk="1" latinLnBrk="0" hangingPunct="1">
-        <a:defRPr sz="1080" kern="1200">
+      <a:lvl1pPr marL="0" algn="l" defTabSz="1706910" rtl="0" eaLnBrk="1" latinLnBrk="0" hangingPunct="1">
+        <a:defRPr sz="3360" kern="1200">
           <a:solidFill>
             <a:schemeClr val="tx1"/>
           </a:solidFill>
@@ -2866,8 +2869,8 @@
           <a:cs typeface="+mn-cs"/>
         </a:defRPr>
       </a:lvl1pPr>
-      <a:lvl2pPr marL="274320" algn="l" defTabSz="548640" rtl="0" eaLnBrk="1" latinLnBrk="0" hangingPunct="1">
-        <a:defRPr sz="1080" kern="1200">
+      <a:lvl2pPr marL="853455" algn="l" defTabSz="1706910" rtl="0" eaLnBrk="1" latinLnBrk="0" hangingPunct="1">
+        <a:defRPr sz="3360" kern="1200">
           <a:solidFill>
             <a:schemeClr val="tx1"/>
           </a:solidFill>
@@ -2876,8 +2879,8 @@
           <a:cs typeface="+mn-cs"/>
         </a:defRPr>
       </a:lvl2pPr>
-      <a:lvl3pPr marL="548640" algn="l" defTabSz="548640" rtl="0" eaLnBrk="1" latinLnBrk="0" hangingPunct="1">
-        <a:defRPr sz="1080" kern="1200">
+      <a:lvl3pPr marL="1706910" algn="l" defTabSz="1706910" rtl="0" eaLnBrk="1" latinLnBrk="0" hangingPunct="1">
+        <a:defRPr sz="3360" kern="1200">
           <a:solidFill>
             <a:schemeClr val="tx1"/>
           </a:solidFill>
@@ -2886,8 +2889,8 @@
           <a:cs typeface="+mn-cs"/>
         </a:defRPr>
       </a:lvl3pPr>
-      <a:lvl4pPr marL="822960" algn="l" defTabSz="548640" rtl="0" eaLnBrk="1" latinLnBrk="0" hangingPunct="1">
-        <a:defRPr sz="1080" kern="1200">
+      <a:lvl4pPr marL="2560366" algn="l" defTabSz="1706910" rtl="0" eaLnBrk="1" latinLnBrk="0" hangingPunct="1">
+        <a:defRPr sz="3360" kern="1200">
           <a:solidFill>
             <a:schemeClr val="tx1"/>
           </a:solidFill>
@@ -2896,8 +2899,8 @@
           <a:cs typeface="+mn-cs"/>
         </a:defRPr>
       </a:lvl4pPr>
-      <a:lvl5pPr marL="1097280" algn="l" defTabSz="548640" rtl="0" eaLnBrk="1" latinLnBrk="0" hangingPunct="1">
-        <a:defRPr sz="1080" kern="1200">
+      <a:lvl5pPr marL="3413821" algn="l" defTabSz="1706910" rtl="0" eaLnBrk="1" latinLnBrk="0" hangingPunct="1">
+        <a:defRPr sz="3360" kern="1200">
           <a:solidFill>
             <a:schemeClr val="tx1"/>
           </a:solidFill>
@@ -2906,8 +2909,8 @@
           <a:cs typeface="+mn-cs"/>
         </a:defRPr>
       </a:lvl5pPr>
-      <a:lvl6pPr marL="1371600" algn="l" defTabSz="548640" rtl="0" eaLnBrk="1" latinLnBrk="0" hangingPunct="1">
-        <a:defRPr sz="1080" kern="1200">
+      <a:lvl6pPr marL="4267276" algn="l" defTabSz="1706910" rtl="0" eaLnBrk="1" latinLnBrk="0" hangingPunct="1">
+        <a:defRPr sz="3360" kern="1200">
           <a:solidFill>
             <a:schemeClr val="tx1"/>
           </a:solidFill>
@@ -2916,8 +2919,8 @@
           <a:cs typeface="+mn-cs"/>
         </a:defRPr>
       </a:lvl6pPr>
-      <a:lvl7pPr marL="1645920" algn="l" defTabSz="548640" rtl="0" eaLnBrk="1" latinLnBrk="0" hangingPunct="1">
-        <a:defRPr sz="1080" kern="1200">
+      <a:lvl7pPr marL="5120731" algn="l" defTabSz="1706910" rtl="0" eaLnBrk="1" latinLnBrk="0" hangingPunct="1">
+        <a:defRPr sz="3360" kern="1200">
           <a:solidFill>
             <a:schemeClr val="tx1"/>
           </a:solidFill>
@@ -2926,8 +2929,8 @@
           <a:cs typeface="+mn-cs"/>
         </a:defRPr>
       </a:lvl7pPr>
-      <a:lvl8pPr marL="1920240" algn="l" defTabSz="548640" rtl="0" eaLnBrk="1" latinLnBrk="0" hangingPunct="1">
-        <a:defRPr sz="1080" kern="1200">
+      <a:lvl8pPr marL="5974187" algn="l" defTabSz="1706910" rtl="0" eaLnBrk="1" latinLnBrk="0" hangingPunct="1">
+        <a:defRPr sz="3360" kern="1200">
           <a:solidFill>
             <a:schemeClr val="tx1"/>
           </a:solidFill>
@@ -2936,8 +2939,8 @@
           <a:cs typeface="+mn-cs"/>
         </a:defRPr>
       </a:lvl8pPr>
-      <a:lvl9pPr marL="2194560" algn="l" defTabSz="548640" rtl="0" eaLnBrk="1" latinLnBrk="0" hangingPunct="1">
-        <a:defRPr sz="1080" kern="1200">
+      <a:lvl9pPr marL="6827642" algn="l" defTabSz="1706910" rtl="0" eaLnBrk="1" latinLnBrk="0" hangingPunct="1">
+        <a:defRPr sz="3360" kern="1200">
           <a:solidFill>
             <a:schemeClr val="tx1"/>
           </a:solidFill>
@@ -2968,21 +2971,161 @@
           <a:chExt cx="0" cy="0"/>
         </a:xfrm>
       </p:grpSpPr>
+      <p:sp>
+        <p:nvSpPr>
+          <p:cNvPr id="34" name="TextBox 33">
+            <a:extLst>
+              <a:ext uri="{FF2B5EF4-FFF2-40B4-BE49-F238E27FC236}">
+                <a16:creationId xmlns:a16="http://schemas.microsoft.com/office/drawing/2014/main" id="{9732148F-C7C5-49C5-A90E-E2481FF6D21C}"/>
+              </a:ext>
+            </a:extLst>
+          </p:cNvPr>
+          <p:cNvSpPr txBox="1"/>
+          <p:nvPr/>
+        </p:nvSpPr>
+        <p:spPr>
+          <a:xfrm>
+            <a:off x="501985" y="256295"/>
+            <a:ext cx="604653" cy="923330"/>
+          </a:xfrm>
+          <a:prstGeom prst="rect">
+            <a:avLst/>
+          </a:prstGeom>
+          <a:noFill/>
+        </p:spPr>
+        <p:txBody>
+          <a:bodyPr wrap="none" rtlCol="0">
+            <a:spAutoFit/>
+          </a:bodyPr>
+          <a:lstStyle/>
+          <a:p>
+            <a:r>
+              <a:rPr lang="en-US" sz="5400" b="1" dirty="0"/>
+              <a:t>A</a:t>
+            </a:r>
+          </a:p>
+        </p:txBody>
+      </p:sp>
+      <p:sp>
+        <p:nvSpPr>
+          <p:cNvPr id="35" name="TextBox 34">
+            <a:extLst>
+              <a:ext uri="{FF2B5EF4-FFF2-40B4-BE49-F238E27FC236}">
+                <a16:creationId xmlns:a16="http://schemas.microsoft.com/office/drawing/2014/main" id="{8A5D7D96-ADE7-4F8D-8019-93AF3390D08A}"/>
+              </a:ext>
+            </a:extLst>
+          </p:cNvPr>
+          <p:cNvSpPr txBox="1"/>
+          <p:nvPr/>
+        </p:nvSpPr>
+        <p:spPr>
+          <a:xfrm>
+            <a:off x="9230605" y="128336"/>
+            <a:ext cx="572593" cy="923330"/>
+          </a:xfrm>
+          <a:prstGeom prst="rect">
+            <a:avLst/>
+          </a:prstGeom>
+          <a:noFill/>
+        </p:spPr>
+        <p:txBody>
+          <a:bodyPr wrap="none" rtlCol="0">
+            <a:spAutoFit/>
+          </a:bodyPr>
+          <a:lstStyle/>
+          <a:p>
+            <a:r>
+              <a:rPr lang="en-US" sz="5400" b="1" dirty="0"/>
+              <a:t>B</a:t>
+            </a:r>
+          </a:p>
+        </p:txBody>
+      </p:sp>
+      <p:sp>
+        <p:nvSpPr>
+          <p:cNvPr id="36" name="TextBox 35">
+            <a:extLst>
+              <a:ext uri="{FF2B5EF4-FFF2-40B4-BE49-F238E27FC236}">
+                <a16:creationId xmlns:a16="http://schemas.microsoft.com/office/drawing/2014/main" id="{8B275832-80F1-47F2-ACB1-1478A286BDC2}"/>
+              </a:ext>
+            </a:extLst>
+          </p:cNvPr>
+          <p:cNvSpPr txBox="1"/>
+          <p:nvPr/>
+        </p:nvSpPr>
+        <p:spPr>
+          <a:xfrm>
+            <a:off x="528434" y="6527463"/>
+            <a:ext cx="551754" cy="923330"/>
+          </a:xfrm>
+          <a:prstGeom prst="rect">
+            <a:avLst/>
+          </a:prstGeom>
+          <a:noFill/>
+        </p:spPr>
+        <p:txBody>
+          <a:bodyPr wrap="none" rtlCol="0">
+            <a:spAutoFit/>
+          </a:bodyPr>
+          <a:lstStyle/>
+          <a:p>
+            <a:r>
+              <a:rPr lang="en-US" sz="5400" b="1" dirty="0"/>
+              <a:t>C</a:t>
+            </a:r>
+          </a:p>
+        </p:txBody>
+      </p:sp>
+      <p:sp>
+        <p:nvSpPr>
+          <p:cNvPr id="37" name="TextBox 36">
+            <a:extLst>
+              <a:ext uri="{FF2B5EF4-FFF2-40B4-BE49-F238E27FC236}">
+                <a16:creationId xmlns:a16="http://schemas.microsoft.com/office/drawing/2014/main" id="{CBBCFB6C-2E1E-4B77-A9B0-97B81002C7CD}"/>
+              </a:ext>
+            </a:extLst>
+          </p:cNvPr>
+          <p:cNvSpPr txBox="1"/>
+          <p:nvPr/>
+        </p:nvSpPr>
+        <p:spPr>
+          <a:xfrm>
+            <a:off x="9230605" y="6527463"/>
+            <a:ext cx="620683" cy="923330"/>
+          </a:xfrm>
+          <a:prstGeom prst="rect">
+            <a:avLst/>
+          </a:prstGeom>
+          <a:noFill/>
+        </p:spPr>
+        <p:txBody>
+          <a:bodyPr wrap="none" rtlCol="0">
+            <a:spAutoFit/>
+          </a:bodyPr>
+          <a:lstStyle/>
+          <a:p>
+            <a:r>
+              <a:rPr lang="en-US" sz="5400" b="1" dirty="0"/>
+              <a:t>D</a:t>
+            </a:r>
+          </a:p>
+        </p:txBody>
+      </p:sp>
       <p:pic>
         <p:nvPicPr>
-          <p:cNvPr id="5" name="Picture 4">
+          <p:cNvPr id="1030" name="Picture 6">
             <a:extLst>
               <a:ext uri="{FF2B5EF4-FFF2-40B4-BE49-F238E27FC236}">
-                <a16:creationId xmlns:a16="http://schemas.microsoft.com/office/drawing/2014/main" id="{107DC9B5-DD96-4981-8635-7E878D3536A2}"/>
+                <a16:creationId xmlns:a16="http://schemas.microsoft.com/office/drawing/2014/main" id="{198D5F90-A860-0D87-FE9E-513F8E487A9D}"/>
               </a:ext>
             </a:extLst>
           </p:cNvPr>
           <p:cNvPicPr>
-            <a:picLocks noChangeAspect="1"/>
+            <a:picLocks noChangeAspect="1" noChangeArrowheads="1"/>
           </p:cNvPicPr>
           <p:nvPr/>
         </p:nvPicPr>
-        <p:blipFill>
+        <p:blipFill rotWithShape="1">
           <a:blip r:embed="rId2">
             <a:extLst>
               <a:ext uri="{28A0092B-C50C-407E-A947-70E740481C1C}">
@@ -2990,35 +3133,44 @@
               </a:ext>
             </a:extLst>
           </a:blip>
-          <a:stretch>
-            <a:fillRect/>
-          </a:stretch>
+          <a:srcRect b="26425"/>
+          <a:stretch/>
         </p:blipFill>
-        <p:spPr>
+        <p:spPr bwMode="auto">
           <a:xfrm>
-            <a:off x="0" y="0"/>
-            <a:ext cx="6101117" cy="3930404"/>
+            <a:off x="10098744" y="1051665"/>
+            <a:ext cx="7803105" cy="5168730"/>
           </a:xfrm>
           <a:prstGeom prst="rect">
             <a:avLst/>
           </a:prstGeom>
+          <a:noFill/>
+          <a:extLst>
+            <a:ext uri="{909E8E84-426E-40DD-AFC4-6F175D3DCCD1}">
+              <a14:hiddenFill xmlns:a14="http://schemas.microsoft.com/office/drawing/2010/main">
+                <a:solidFill>
+                  <a:srgbClr val="FFFFFF"/>
+                </a:solidFill>
+              </a14:hiddenFill>
+            </a:ext>
+          </a:extLst>
         </p:spPr>
       </p:pic>
       <p:pic>
         <p:nvPicPr>
-          <p:cNvPr id="7" name="Picture 6">
+          <p:cNvPr id="1034" name="Picture 10">
             <a:extLst>
               <a:ext uri="{FF2B5EF4-FFF2-40B4-BE49-F238E27FC236}">
-                <a16:creationId xmlns:a16="http://schemas.microsoft.com/office/drawing/2014/main" id="{68FF48E0-9F8D-4B71-AB99-0E14CD005B5D}"/>
+                <a16:creationId xmlns:a16="http://schemas.microsoft.com/office/drawing/2014/main" id="{70276C79-A0AF-0D23-C929-E78AB0BAEB12}"/>
               </a:ext>
             </a:extLst>
           </p:cNvPr>
           <p:cNvPicPr>
-            <a:picLocks noChangeAspect="1"/>
+            <a:picLocks noChangeAspect="1" noChangeArrowheads="1"/>
           </p:cNvPicPr>
           <p:nvPr/>
         </p:nvPicPr>
-        <p:blipFill>
+        <p:blipFill rotWithShape="1">
           <a:blip r:embed="rId3">
             <a:extLst>
               <a:ext uri="{28A0092B-C50C-407E-A947-70E740481C1C}">
@@ -3026,94 +3178,80 @@
               </a:ext>
             </a:extLst>
           </a:blip>
-          <a:stretch>
-            <a:fillRect/>
-          </a:stretch>
+          <a:srcRect b="24772"/>
+          <a:stretch/>
         </p:blipFill>
-        <p:spPr>
+        <p:spPr bwMode="auto">
           <a:xfrm>
-            <a:off x="6090882" y="0"/>
-            <a:ext cx="6097677" cy="3928188"/>
-          </a:xfrm>
-          <a:prstGeom prst="rect">
-            <a:avLst/>
-          </a:prstGeom>
-        </p:spPr>
-      </p:pic>
-      <p:sp>
-        <p:nvSpPr>
-          <p:cNvPr id="8" name="TextBox 7">
-            <a:extLst>
-              <a:ext uri="{FF2B5EF4-FFF2-40B4-BE49-F238E27FC236}">
-                <a16:creationId xmlns:a16="http://schemas.microsoft.com/office/drawing/2014/main" id="{CC9BD8BF-164E-413F-8CB9-D0B44E881CD8}"/>
-              </a:ext>
-            </a:extLst>
-          </p:cNvPr>
-          <p:cNvSpPr txBox="1"/>
-          <p:nvPr/>
-        </p:nvSpPr>
-        <p:spPr>
-          <a:xfrm>
-            <a:off x="74645" y="475861"/>
-            <a:ext cx="317716" cy="369332"/>
+            <a:off x="10098747" y="7450793"/>
+            <a:ext cx="7686363" cy="5168730"/>
           </a:xfrm>
           <a:prstGeom prst="rect">
             <a:avLst/>
           </a:prstGeom>
           <a:noFill/>
+          <a:extLst>
+            <a:ext uri="{909E8E84-426E-40DD-AFC4-6F175D3DCCD1}">
+              <a14:hiddenFill xmlns:a14="http://schemas.microsoft.com/office/drawing/2010/main">
+                <a:solidFill>
+                  <a:srgbClr val="FFFFFF"/>
+                </a:solidFill>
+              </a14:hiddenFill>
+            </a:ext>
+          </a:extLst>
         </p:spPr>
-        <p:txBody>
-          <a:bodyPr wrap="none" rtlCol="0">
-            <a:spAutoFit/>
-          </a:bodyPr>
-          <a:lstStyle/>
-          <a:p>
-            <a:r>
-              <a:rPr lang="en-US" dirty="0"/>
-              <a:t>A</a:t>
-            </a:r>
-          </a:p>
-        </p:txBody>
-      </p:sp>
-      <p:sp>
-        <p:nvSpPr>
-          <p:cNvPr id="9" name="TextBox 8">
+      </p:pic>
+      <p:pic>
+        <p:nvPicPr>
+          <p:cNvPr id="1038" name="Picture 14">
             <a:extLst>
               <a:ext uri="{FF2B5EF4-FFF2-40B4-BE49-F238E27FC236}">
-                <a16:creationId xmlns:a16="http://schemas.microsoft.com/office/drawing/2014/main" id="{671F69AF-033A-42A0-922D-F76714B00FFE}"/>
+                <a16:creationId xmlns:a16="http://schemas.microsoft.com/office/drawing/2014/main" id="{92F58343-036E-2182-9D78-0B5901698E57}"/>
               </a:ext>
             </a:extLst>
           </p:cNvPr>
-          <p:cNvSpPr txBox="1"/>
+          <p:cNvPicPr>
+            <a:picLocks noChangeAspect="1" noChangeArrowheads="1"/>
+          </p:cNvPicPr>
           <p:nvPr/>
-        </p:nvSpPr>
-        <p:spPr>
+        </p:nvPicPr>
+        <p:blipFill>
+          <a:blip r:embed="rId4">
+            <a:extLst>
+              <a:ext uri="{28A0092B-C50C-407E-A947-70E740481C1C}">
+                <a14:useLocalDpi xmlns:a14="http://schemas.microsoft.com/office/drawing/2010/main" val="0"/>
+              </a:ext>
+            </a:extLst>
+          </a:blip>
+          <a:srcRect/>
+          <a:stretch>
+            <a:fillRect/>
+          </a:stretch>
+        </p:blipFill>
+        <p:spPr bwMode="auto">
           <a:xfrm>
-            <a:off x="6101117" y="475861"/>
-            <a:ext cx="309700" cy="369332"/>
+            <a:off x="386152" y="7450793"/>
+            <a:ext cx="8358163" cy="5168730"/>
           </a:xfrm>
           <a:prstGeom prst="rect">
             <a:avLst/>
           </a:prstGeom>
           <a:noFill/>
+          <a:extLst>
+            <a:ext uri="{909E8E84-426E-40DD-AFC4-6F175D3DCCD1}">
+              <a14:hiddenFill xmlns:a14="http://schemas.microsoft.com/office/drawing/2010/main">
+                <a:solidFill>
+                  <a:srgbClr val="FFFFFF"/>
+                </a:solidFill>
+              </a14:hiddenFill>
+            </a:ext>
+          </a:extLst>
         </p:spPr>
-        <p:txBody>
-          <a:bodyPr wrap="none" rtlCol="0">
-            <a:spAutoFit/>
-          </a:bodyPr>
-          <a:lstStyle/>
-          <a:p>
-            <a:r>
-              <a:rPr lang="en-US" dirty="0"/>
-              <a:t>B</a:t>
-            </a:r>
-          </a:p>
-        </p:txBody>
-      </p:sp>
+      </p:pic>
     </p:spTree>
     <p:extLst>
       <p:ext uri="{BB962C8B-B14F-4D97-AF65-F5344CB8AC3E}">
-        <p14:creationId xmlns:p14="http://schemas.microsoft.com/office/powerpoint/2010/main" val="1204548721"/>
+        <p14:creationId xmlns:p14="http://schemas.microsoft.com/office/powerpoint/2010/main" val="2909428563"/>
       </p:ext>
     </p:extLst>
   </p:cSld>
